--- a/document/algorithms/algorithm_v1.30.pptx
+++ b/document/algorithms/algorithm_v1.30.pptx
@@ -3926,18 +3926,21 @@
               <a:t>ver. </a:t>
             </a:r>
             <a:r>
+              <a:rPr lang="en-US" sz="1800" smtClean="0">
+                <a:latin typeface="나눔바른고딕OTF"/>
+                <a:ea typeface="나눔바른고딕OTF"/>
+                <a:cs typeface="나눔바른고딕OTF"/>
+              </a:rPr>
+              <a:t>1.31 </a:t>
+            </a:r>
+            <a:r>
               <a:rPr lang="en-US" sz="1800" dirty="0" smtClean="0">
                 <a:latin typeface="나눔바른고딕OTF"/>
                 <a:ea typeface="나눔바른고딕OTF"/>
                 <a:cs typeface="나눔바른고딕OTF"/>
               </a:rPr>
-              <a:t>1.30 (2014.10.21)</a:t>
-            </a:r>
-            <a:endParaRPr lang="en-US" sz="1800" dirty="0" smtClean="0">
-              <a:latin typeface="나눔바른고딕OTF"/>
-              <a:ea typeface="나눔바른고딕OTF"/>
-              <a:cs typeface="나눔바른고딕OTF"/>
-            </a:endParaRPr>
+              <a:t>(2014.10.21)</a:t>
+            </a:r>
           </a:p>
           <a:p>
             <a:r>
@@ -4213,7 +4216,6 @@
               <a:rPr lang="en-US" dirty="0"/>
               <a:t>b</a:t>
             </a:r>
-            <a:endParaRPr lang="en-US" dirty="0"/>
           </a:p>
         </p:txBody>
       </p:sp>
@@ -4412,7 +4414,6 @@
               <a:rPr lang="en-US" dirty="0"/>
               <a:t>b</a:t>
             </a:r>
-            <a:endParaRPr lang="en-US" dirty="0"/>
           </a:p>
         </p:txBody>
       </p:sp>
@@ -6875,23 +6876,7 @@
             </a:r>
             <a:r>
               <a:rPr lang="en-US" altLang="ko-KR" sz="1600" dirty="0" smtClean="0"/>
-              <a:t>(</a:t>
-            </a:r>
-            <a:r>
-              <a:rPr lang="en-US" altLang="ko-KR" sz="1600" dirty="0" smtClean="0"/>
-              <a:t>=</a:t>
-            </a:r>
-            <a:r>
-              <a:rPr lang="en-US" altLang="ko-KR" sz="1600" dirty="0" smtClean="0"/>
-              <a:t>AVR</a:t>
-            </a:r>
-            <a:r>
-              <a:rPr lang="en-US" altLang="ko-KR" sz="1600" dirty="0" smtClean="0"/>
-              <a:t>SIZE</a:t>
-            </a:r>
-            <a:r>
-              <a:rPr lang="en-US" altLang="ko-KR" sz="1600" dirty="0" smtClean="0"/>
-              <a:t>)</a:t>
+              <a:t>(=AVRSIZE)</a:t>
             </a:r>
             <a:r>
               <a:rPr lang="ko-KR" altLang="en-US" sz="1600" dirty="0" smtClean="0"/>
@@ -6910,19 +6895,11 @@
             </a:r>
             <a:r>
               <a:rPr lang="en-US" altLang="ko-KR" sz="1600" dirty="0" smtClean="0"/>
-              <a:t>AVR</a:t>
-            </a:r>
-            <a:r>
-              <a:rPr lang="en-US" altLang="ko-KR" sz="1600" dirty="0" smtClean="0"/>
-              <a:t>SIZE</a:t>
+              <a:t>AVRSIZE</a:t>
             </a:r>
             <a:r>
               <a:rPr lang="ko-KR" altLang="en-US" sz="1600" dirty="0" smtClean="0"/>
-              <a:t> </a:t>
-            </a:r>
-            <a:r>
-              <a:rPr lang="ko-KR" altLang="en-US" sz="1600" dirty="0" smtClean="0"/>
-              <a:t>만큼 줄어든 비율대로 다른 면도 같은 비율로 줄인다</a:t>
+              <a:t> 만큼 줄어든 비율대로 다른 면도 같은 비율로 줄인다</a:t>
             </a:r>
             <a:r>
               <a:rPr lang="en-US" altLang="ko-KR" sz="1600" dirty="0" smtClean="0"/>
@@ -8154,15 +8131,7 @@
             </a:r>
             <a:r>
               <a:rPr lang="en-US" altLang="ko-KR" sz="1200" dirty="0" smtClean="0"/>
-              <a:t>  </a:t>
-            </a:r>
-            <a:r>
-              <a:rPr lang="en-US" altLang="ko-KR" sz="1200" dirty="0" smtClean="0"/>
-              <a:t>&lt;- </a:t>
-            </a:r>
-            <a:r>
-              <a:rPr lang="en-US" altLang="ko-KR" sz="1200" dirty="0" smtClean="0"/>
-              <a:t>k</a:t>
+              <a:t>  &lt;- k</a:t>
             </a:r>
             <a:endParaRPr lang="en-US" sz="1200" dirty="0"/>
           </a:p>
@@ -9746,15 +9715,7 @@
             </a:r>
             <a:r>
               <a:rPr lang="en-US" altLang="ko-KR" sz="1200" dirty="0" smtClean="0"/>
-              <a:t>  </a:t>
-            </a:r>
-            <a:r>
-              <a:rPr lang="en-US" altLang="ko-KR" sz="1200" dirty="0" smtClean="0"/>
-              <a:t>&lt;- </a:t>
-            </a:r>
-            <a:r>
-              <a:rPr lang="en-US" altLang="ko-KR" sz="1200" dirty="0" smtClean="0"/>
-              <a:t>k</a:t>
+              <a:t>  &lt;- k</a:t>
             </a:r>
             <a:endParaRPr lang="en-US" sz="1200" dirty="0"/>
           </a:p>
@@ -11845,15 +11806,7 @@
                 <a:ea typeface="나눔바른고딕OTF Light"/>
                 <a:cs typeface="나눔바른고딕OTF Light"/>
               </a:rPr>
-              <a:t>  </a:t>
-            </a:r>
-            <a:r>
-              <a:rPr lang="en-US" altLang="ko-KR" sz="900" dirty="0" smtClean="0">
-                <a:latin typeface="나눔바른고딕OTF Light"/>
-                <a:ea typeface="나눔바른고딕OTF Light"/>
-                <a:cs typeface="나눔바른고딕OTF Light"/>
-              </a:rPr>
-              <a:t>&lt;- k</a:t>
+              <a:t>  &lt;- k</a:t>
             </a:r>
             <a:endParaRPr lang="en-US" sz="900" dirty="0">
               <a:latin typeface="나눔바른고딕OTF Light"/>
@@ -12854,23 +12807,7 @@
                 <a:ea typeface="나눔바른고딕OTF Light"/>
                 <a:cs typeface="나눔바른고딕OTF Light"/>
               </a:rPr>
-              <a:t>  </a:t>
-            </a:r>
-            <a:r>
-              <a:rPr lang="en-US" altLang="ko-KR" sz="900" dirty="0" smtClean="0">
-                <a:latin typeface="나눔바른고딕OTF Light"/>
-                <a:ea typeface="나눔바른고딕OTF Light"/>
-                <a:cs typeface="나눔바른고딕OTF Light"/>
-              </a:rPr>
-              <a:t>&lt;- </a:t>
-            </a:r>
-            <a:r>
-              <a:rPr lang="en-US" altLang="ko-KR" sz="900" dirty="0" smtClean="0">
-                <a:latin typeface="나눔바른고딕OTF Light"/>
-                <a:ea typeface="나눔바른고딕OTF Light"/>
-                <a:cs typeface="나눔바른고딕OTF Light"/>
-              </a:rPr>
-              <a:t>k</a:t>
+              <a:t>  &lt;- k</a:t>
             </a:r>
             <a:endParaRPr lang="en-US" sz="900" dirty="0">
               <a:latin typeface="나눔바른고딕OTF Light"/>
@@ -12932,7 +12869,7 @@
               <a:t>사진 </a:t>
             </a:r>
             <a:r>
-              <a:rPr lang="en-US" altLang="ko-KR" sz="900" dirty="0" smtClean="0">
+              <a:rPr lang="en-US" altLang="ko-KR" sz="900" dirty="0" err="1" smtClean="0">
                 <a:solidFill>
                   <a:schemeClr val="bg1"/>
                 </a:solidFill>
@@ -12940,7 +12877,7 @@
                 <a:ea typeface="나눔바른고딕OTF Light"/>
                 <a:cs typeface="나눔바른고딕OTF Light"/>
               </a:rPr>
-              <a:t>1</a:t>
+              <a:t>i</a:t>
             </a:r>
             <a:r>
               <a:rPr lang="ko-KR" altLang="en-US" sz="900" dirty="0" smtClean="0">
@@ -13224,15 +13161,7 @@
                 <a:ea typeface="나눔바른고딕OTF Light"/>
                 <a:cs typeface="나눔바른고딕OTF Light"/>
               </a:rPr>
-              <a:t>/2,   </a:t>
-            </a:r>
-            <a:r>
-              <a:rPr lang="en-US" sz="900" dirty="0" smtClean="0">
-                <a:latin typeface="나눔바른고딕OTF Light"/>
-                <a:ea typeface="나눔바른고딕OTF Light"/>
-                <a:cs typeface="나눔바른고딕OTF Light"/>
-              </a:rPr>
-              <a:t>n = </a:t>
+              <a:t>/2,   n = </a:t>
             </a:r>
             <a:r>
               <a:rPr lang="en-US" sz="900" dirty="0" err="1" smtClean="0">
@@ -13541,7 +13470,7 @@
               <a:t>사진 </a:t>
             </a:r>
             <a:r>
-              <a:rPr lang="en-US" altLang="ko-KR" sz="900" dirty="0" smtClean="0">
+              <a:rPr lang="en-US" altLang="ko-KR" sz="900" dirty="0">
                 <a:solidFill>
                   <a:schemeClr val="bg1"/>
                 </a:solidFill>
@@ -13549,7 +13478,7 @@
                 <a:ea typeface="나눔바른고딕OTF Light"/>
                 <a:cs typeface="나눔바른고딕OTF Light"/>
               </a:rPr>
-              <a:t>1</a:t>
+              <a:t>i</a:t>
             </a:r>
             <a:r>
               <a:rPr lang="ko-KR" altLang="en-US" sz="900" dirty="0" smtClean="0">
@@ -14265,11 +14194,7 @@
           <a:p>
             <a:r>
               <a:rPr lang="ko-KR" altLang="en-US" sz="1600" dirty="0" smtClean="0"/>
-              <a:t>사진의 </a:t>
-            </a:r>
-            <a:r>
-              <a:rPr lang="ko-KR" altLang="en-US" sz="1600" dirty="0" smtClean="0"/>
-              <a:t>가로</a:t>
+              <a:t>사진의 가로</a:t>
             </a:r>
             <a:r>
               <a:rPr lang="en-US" altLang="ko-KR" sz="1600" dirty="0" smtClean="0"/>
@@ -14364,11 +14289,7 @@
             </a:r>
             <a:r>
               <a:rPr lang="ko-KR" altLang="en-US" sz="1600" dirty="0" smtClean="0"/>
-              <a:t>가 같은 경우는 </a:t>
-            </a:r>
-            <a:r>
-              <a:rPr lang="ko-KR" altLang="en-US" sz="1600" dirty="0" smtClean="0"/>
-              <a:t>사진 업로드가 먼저 된 순서를 사용</a:t>
+              <a:t>가 같은 경우는 사진 업로드가 먼저 된 순서를 사용</a:t>
             </a:r>
             <a:endParaRPr lang="en-US" sz="1600" dirty="0"/>
           </a:p>
@@ -16292,15 +16213,7 @@
                 <a:ea typeface="나눔바른고딕OTF Light"/>
                 <a:cs typeface="나눔바른고딕OTF Light"/>
               </a:rPr>
-              <a:t>/2,   </a:t>
-            </a:r>
-            <a:r>
-              <a:rPr lang="en-US" sz="900" dirty="0" smtClean="0">
-                <a:latin typeface="나눔바른고딕OTF Light"/>
-                <a:ea typeface="나눔바른고딕OTF Light"/>
-                <a:cs typeface="나눔바른고딕OTF Light"/>
-              </a:rPr>
-              <a:t>n = </a:t>
+              <a:t>/2,   n = </a:t>
             </a:r>
             <a:r>
               <a:rPr lang="en-US" sz="900" dirty="0" err="1" smtClean="0">
@@ -16990,7 +16903,6 @@
               <a:rPr lang="en-US" dirty="0"/>
               <a:t>a</a:t>
             </a:r>
-            <a:endParaRPr lang="en-US" dirty="0"/>
           </a:p>
         </p:txBody>
       </p:sp>
